--- a/ZEIF-LOGO/ZEIF LOGO.pptx
+++ b/ZEIF-LOGO/ZEIF LOGO.pptx
@@ -106,6 +106,11 @@
       </a:defRPr>
     </a:lvl9pPr>
   </p:defaultTextStyle>
+  <p:extLst>
+    <p:ext uri="{EFAFB233-063F-42B5-8137-9DF3F51BA10A}">
+      <p15:sldGuideLst xmlns:p15="http://schemas.microsoft.com/office/powerpoint/2012/main"/>
+    </p:ext>
+  </p:extLst>
 </p:presentation>
 </file>
 
@@ -3739,44 +3744,6 @@
           </a:p>
         </p:txBody>
       </p:sp>
-      <p:pic>
-        <p:nvPicPr>
-          <p:cNvPr id="16" name="Grafik 15">
-            <a:extLst>
-              <a:ext uri="{FF2B5EF4-FFF2-40B4-BE49-F238E27FC236}">
-                <a16:creationId xmlns:a16="http://schemas.microsoft.com/office/drawing/2014/main" id="{EDF7E12D-94CD-450F-95DA-971B6FE50E88}"/>
-              </a:ext>
-            </a:extLst>
-          </p:cNvPr>
-          <p:cNvPicPr>
-            <a:picLocks noChangeAspect="1"/>
-          </p:cNvPicPr>
-          <p:nvPr/>
-        </p:nvPicPr>
-        <p:blipFill rotWithShape="1">
-          <a:blip r:embed="rId2">
-            <a:extLst>
-              <a:ext uri="{28A0092B-C50C-407E-A947-70E740481C1C}">
-                <a14:useLocalDpi xmlns:a14="http://schemas.microsoft.com/office/drawing/2010/main" val="0"/>
-              </a:ext>
-              <a:ext uri="{96DAC541-7B7A-43D3-8B79-37D633B846F1}">
-                <asvg:svgBlip xmlns:asvg="http://schemas.microsoft.com/office/drawing/2016/SVG/main" r:embed="rId3"/>
-              </a:ext>
-            </a:extLst>
-          </a:blip>
-          <a:srcRect l="26910" t="26910" r="26910" b="26910"/>
-          <a:stretch/>
-        </p:blipFill>
-        <p:spPr>
-          <a:xfrm>
-            <a:off x="723507" y="1905364"/>
-            <a:ext cx="2880001" cy="2880001"/>
-          </a:xfrm>
-          <a:prstGeom prst="rect">
-            <a:avLst/>
-          </a:prstGeom>
-        </p:spPr>
-      </p:pic>
       <p:sp>
         <p:nvSpPr>
           <p:cNvPr id="9" name="Kreis: nicht ausgefüllt 8">
@@ -3873,6 +3840,44 @@
           </a:p>
         </p:txBody>
       </p:sp>
+      <p:pic>
+        <p:nvPicPr>
+          <p:cNvPr id="22" name="Grafik 21">
+            <a:extLst>
+              <a:ext uri="{FF2B5EF4-FFF2-40B4-BE49-F238E27FC236}">
+                <a16:creationId xmlns:a16="http://schemas.microsoft.com/office/drawing/2014/main" id="{F00B396B-7800-4AC7-B6B1-5E3B452B4A35}"/>
+              </a:ext>
+            </a:extLst>
+          </p:cNvPr>
+          <p:cNvPicPr>
+            <a:picLocks noChangeAspect="1"/>
+          </p:cNvPicPr>
+          <p:nvPr/>
+        </p:nvPicPr>
+        <p:blipFill rotWithShape="1">
+          <a:blip r:embed="rId2">
+            <a:extLst>
+              <a:ext uri="{28A0092B-C50C-407E-A947-70E740481C1C}">
+                <a14:useLocalDpi xmlns:a14="http://schemas.microsoft.com/office/drawing/2010/main" val="0"/>
+              </a:ext>
+              <a:ext uri="{96DAC541-7B7A-43D3-8B79-37D633B846F1}">
+                <asvg:svgBlip xmlns:asvg="http://schemas.microsoft.com/office/drawing/2016/SVG/main" r:embed="rId3"/>
+              </a:ext>
+            </a:extLst>
+          </a:blip>
+          <a:srcRect l="24322" t="24004" r="23278" b="25428"/>
+          <a:stretch/>
+        </p:blipFill>
+        <p:spPr>
+          <a:xfrm>
+            <a:off x="552450" y="1714500"/>
+            <a:ext cx="3267075" cy="3152775"/>
+          </a:xfrm>
+          <a:prstGeom prst="rect">
+            <a:avLst/>
+          </a:prstGeom>
+        </p:spPr>
+      </p:pic>
     </p:spTree>
     <p:extLst>
       <p:ext uri="{BB962C8B-B14F-4D97-AF65-F5344CB8AC3E}">
@@ -3905,10 +3910,10 @@
       </p:grpSpPr>
       <p:pic>
         <p:nvPicPr>
-          <p:cNvPr id="2" name="Grafik 1">
-            <a:extLst>
-              <a:ext uri="{FF2B5EF4-FFF2-40B4-BE49-F238E27FC236}">
-                <a16:creationId xmlns:a16="http://schemas.microsoft.com/office/drawing/2014/main" id="{08738593-6A7F-4C5C-B7BF-CAF32C9520D1}"/>
+          <p:cNvPr id="8" name="Grafik 7">
+            <a:extLst>
+              <a:ext uri="{FF2B5EF4-FFF2-40B4-BE49-F238E27FC236}">
+                <a16:creationId xmlns:a16="http://schemas.microsoft.com/office/drawing/2014/main" id="{4477AAA9-2DE2-4AD9-8ED8-F2814AE242C5}"/>
               </a:ext>
             </a:extLst>
           </p:cNvPr>
@@ -3917,15 +3922,27 @@
           </p:cNvPicPr>
           <p:nvPr/>
         </p:nvPicPr>
-        <p:blipFill rotWithShape="1">
-          <a:blip r:embed="rId2"/>
-          <a:srcRect t="3759" b="17199"/>
-          <a:stretch/>
+        <p:blipFill>
+          <a:blip r:embed="rId2">
+            <a:clrChange>
+              <a:clrFrom>
+                <a:srgbClr val="00B0F0"/>
+              </a:clrFrom>
+              <a:clrTo>
+                <a:srgbClr val="00B0F0">
+                  <a:alpha val="0"/>
+                </a:srgbClr>
+              </a:clrTo>
+            </a:clrChange>
+          </a:blip>
+          <a:stretch>
+            <a:fillRect/>
+          </a:stretch>
         </p:blipFill>
         <p:spPr>
           <a:xfrm>
-            <a:off x="542062" y="1720644"/>
-            <a:ext cx="11107875" cy="2920181"/>
+            <a:off x="462808" y="1563462"/>
+            <a:ext cx="11266384" cy="3731075"/>
           </a:xfrm>
           <a:prstGeom prst="rect">
             <a:avLst/>
